--- a/notebooks/nb180808/MC504-2018s2-T02-The_Process_API.pptx
+++ b/notebooks/nb180808/MC504-2018s2-T02-The_Process_API.pptx
@@ -5,23 +5,31 @@
     <p:sldMasterId id="2147484032" r:id="rId1"/>
   </p:sldMasterIdLst>
   <p:notesMasterIdLst>
-    <p:notesMasterId r:id="rId8"/>
+    <p:notesMasterId r:id="rId16"/>
   </p:notesMasterIdLst>
   <p:handoutMasterIdLst>
-    <p:handoutMasterId r:id="rId9"/>
+    <p:handoutMasterId r:id="rId17"/>
   </p:handoutMasterIdLst>
   <p:sldIdLst>
     <p:sldId id="297" r:id="rId2"/>
     <p:sldId id="546" r:id="rId3"/>
     <p:sldId id="548" r:id="rId4"/>
     <p:sldId id="549" r:id="rId5"/>
-    <p:sldId id="550" r:id="rId6"/>
-    <p:sldId id="551" r:id="rId7"/>
+    <p:sldId id="552" r:id="rId6"/>
+    <p:sldId id="553" r:id="rId7"/>
+    <p:sldId id="554" r:id="rId8"/>
+    <p:sldId id="555" r:id="rId9"/>
+    <p:sldId id="556" r:id="rId10"/>
+    <p:sldId id="557" r:id="rId11"/>
+    <p:sldId id="558" r:id="rId12"/>
+    <p:sldId id="559" r:id="rId13"/>
+    <p:sldId id="560" r:id="rId14"/>
+    <p:sldId id="561" r:id="rId15"/>
   </p:sldIdLst>
   <p:sldSz cx="9144000" cy="6858000" type="screen4x3"/>
   <p:notesSz cx="6888163" cy="10020300"/>
   <p:custDataLst>
-    <p:tags r:id="rId10"/>
+    <p:tags r:id="rId18"/>
   </p:custDataLst>
   <p:defaultTextStyle>
     <a:defPPr>
@@ -157,8 +165,16 @@
             <p14:sldId id="546"/>
             <p14:sldId id="548"/>
             <p14:sldId id="549"/>
-            <p14:sldId id="550"/>
-            <p14:sldId id="551"/>
+            <p14:sldId id="552"/>
+            <p14:sldId id="553"/>
+            <p14:sldId id="554"/>
+            <p14:sldId id="555"/>
+            <p14:sldId id="556"/>
+            <p14:sldId id="557"/>
+            <p14:sldId id="558"/>
+            <p14:sldId id="559"/>
+            <p14:sldId id="560"/>
+            <p14:sldId id="561"/>
           </p14:sldIdLst>
         </p14:section>
       </p14:sectionLst>
@@ -1165,6 +1181,276 @@
     <p:extLst>
       <p:ext uri="{BB962C8B-B14F-4D97-AF65-F5344CB8AC3E}">
         <p14:creationId xmlns:p14="http://schemas.microsoft.com/office/powerpoint/2010/main" val="1884734025"/>
+      </p:ext>
+    </p:extLst>
+  </p:cSld>
+  <p:clrMapOvr>
+    <a:masterClrMapping/>
+  </p:clrMapOvr>
+</p:notes>
+</file>
+
+<file path=ppt/notesSlides/notesSlide4.xml><?xml version="1.0" encoding="utf-8"?>
+<p:notes xmlns:a="http://schemas.openxmlformats.org/drawingml/2006/main" xmlns:r="http://schemas.openxmlformats.org/officeDocument/2006/relationships" xmlns:p="http://schemas.openxmlformats.org/presentationml/2006/main">
+  <p:cSld>
+    <p:spTree>
+      <p:nvGrpSpPr>
+        <p:cNvPr id="1" name=""/>
+        <p:cNvGrpSpPr/>
+        <p:nvPr/>
+      </p:nvGrpSpPr>
+      <p:grpSpPr>
+        <a:xfrm>
+          <a:off x="0" y="0"/>
+          <a:ext cx="0" cy="0"/>
+          <a:chOff x="0" y="0"/>
+          <a:chExt cx="0" cy="0"/>
+        </a:xfrm>
+      </p:grpSpPr>
+      <p:sp>
+        <p:nvSpPr>
+          <p:cNvPr id="2" name="Slide Image Placeholder 1"/>
+          <p:cNvSpPr>
+            <a:spLocks noGrp="1" noRot="1" noChangeAspect="1"/>
+          </p:cNvSpPr>
+          <p:nvPr>
+            <p:ph type="sldImg"/>
+          </p:nvPr>
+        </p:nvSpPr>
+        <p:spPr/>
+      </p:sp>
+      <p:sp>
+        <p:nvSpPr>
+          <p:cNvPr id="3" name="Notes Placeholder 2"/>
+          <p:cNvSpPr>
+            <a:spLocks noGrp="1"/>
+          </p:cNvSpPr>
+          <p:nvPr>
+            <p:ph type="body" idx="1"/>
+          </p:nvPr>
+        </p:nvSpPr>
+        <p:spPr/>
+        <p:txBody>
+          <a:bodyPr/>
+          <a:lstStyle/>
+          <a:p>
+            <a:endParaRPr lang="en-US" dirty="0"/>
+          </a:p>
+        </p:txBody>
+      </p:sp>
+      <p:sp>
+        <p:nvSpPr>
+          <p:cNvPr id="4" name="Slide Number Placeholder 3"/>
+          <p:cNvSpPr>
+            <a:spLocks noGrp="1"/>
+          </p:cNvSpPr>
+          <p:nvPr>
+            <p:ph type="sldNum" sz="quarter" idx="5"/>
+          </p:nvPr>
+        </p:nvSpPr>
+        <p:spPr/>
+        <p:txBody>
+          <a:bodyPr/>
+          <a:lstStyle/>
+          <a:p>
+            <a:pPr>
+              <a:defRPr/>
+            </a:pPr>
+            <a:fld id="{EBBAFCDD-B1D6-463A-BCEF-B465183E2D8F}" type="slidenum">
+              <a:rPr lang="en-US" smtClean="0"/>
+              <a:pPr>
+                <a:defRPr/>
+              </a:pPr>
+              <a:t>7</a:t>
+            </a:fld>
+            <a:endParaRPr lang="en-US"/>
+          </a:p>
+        </p:txBody>
+      </p:sp>
+    </p:spTree>
+    <p:extLst>
+      <p:ext uri="{BB962C8B-B14F-4D97-AF65-F5344CB8AC3E}">
+        <p14:creationId xmlns:p14="http://schemas.microsoft.com/office/powerpoint/2010/main" val="2789706004"/>
+      </p:ext>
+    </p:extLst>
+  </p:cSld>
+  <p:clrMapOvr>
+    <a:masterClrMapping/>
+  </p:clrMapOvr>
+</p:notes>
+</file>
+
+<file path=ppt/notesSlides/notesSlide5.xml><?xml version="1.0" encoding="utf-8"?>
+<p:notes xmlns:a="http://schemas.openxmlformats.org/drawingml/2006/main" xmlns:r="http://schemas.openxmlformats.org/officeDocument/2006/relationships" xmlns:p="http://schemas.openxmlformats.org/presentationml/2006/main">
+  <p:cSld>
+    <p:spTree>
+      <p:nvGrpSpPr>
+        <p:cNvPr id="1" name=""/>
+        <p:cNvGrpSpPr/>
+        <p:nvPr/>
+      </p:nvGrpSpPr>
+      <p:grpSpPr>
+        <a:xfrm>
+          <a:off x="0" y="0"/>
+          <a:ext cx="0" cy="0"/>
+          <a:chOff x="0" y="0"/>
+          <a:chExt cx="0" cy="0"/>
+        </a:xfrm>
+      </p:grpSpPr>
+      <p:sp>
+        <p:nvSpPr>
+          <p:cNvPr id="2" name="Slide Image Placeholder 1"/>
+          <p:cNvSpPr>
+            <a:spLocks noGrp="1" noRot="1" noChangeAspect="1"/>
+          </p:cNvSpPr>
+          <p:nvPr>
+            <p:ph type="sldImg"/>
+          </p:nvPr>
+        </p:nvSpPr>
+        <p:spPr/>
+      </p:sp>
+      <p:sp>
+        <p:nvSpPr>
+          <p:cNvPr id="3" name="Notes Placeholder 2"/>
+          <p:cNvSpPr>
+            <a:spLocks noGrp="1"/>
+          </p:cNvSpPr>
+          <p:nvPr>
+            <p:ph type="body" idx="1"/>
+          </p:nvPr>
+        </p:nvSpPr>
+        <p:spPr/>
+        <p:txBody>
+          <a:bodyPr/>
+          <a:lstStyle/>
+          <a:p>
+            <a:endParaRPr lang="en-US" dirty="0"/>
+          </a:p>
+        </p:txBody>
+      </p:sp>
+      <p:sp>
+        <p:nvSpPr>
+          <p:cNvPr id="4" name="Slide Number Placeholder 3"/>
+          <p:cNvSpPr>
+            <a:spLocks noGrp="1"/>
+          </p:cNvSpPr>
+          <p:nvPr>
+            <p:ph type="sldNum" sz="quarter" idx="5"/>
+          </p:nvPr>
+        </p:nvSpPr>
+        <p:spPr/>
+        <p:txBody>
+          <a:bodyPr/>
+          <a:lstStyle/>
+          <a:p>
+            <a:pPr>
+              <a:defRPr/>
+            </a:pPr>
+            <a:fld id="{EBBAFCDD-B1D6-463A-BCEF-B465183E2D8F}" type="slidenum">
+              <a:rPr lang="en-US" smtClean="0"/>
+              <a:pPr>
+                <a:defRPr/>
+              </a:pPr>
+              <a:t>10</a:t>
+            </a:fld>
+            <a:endParaRPr lang="en-US"/>
+          </a:p>
+        </p:txBody>
+      </p:sp>
+    </p:spTree>
+    <p:extLst>
+      <p:ext uri="{BB962C8B-B14F-4D97-AF65-F5344CB8AC3E}">
+        <p14:creationId xmlns:p14="http://schemas.microsoft.com/office/powerpoint/2010/main" val="2472522729"/>
+      </p:ext>
+    </p:extLst>
+  </p:cSld>
+  <p:clrMapOvr>
+    <a:masterClrMapping/>
+  </p:clrMapOvr>
+</p:notes>
+</file>
+
+<file path=ppt/notesSlides/notesSlide6.xml><?xml version="1.0" encoding="utf-8"?>
+<p:notes xmlns:a="http://schemas.openxmlformats.org/drawingml/2006/main" xmlns:r="http://schemas.openxmlformats.org/officeDocument/2006/relationships" xmlns:p="http://schemas.openxmlformats.org/presentationml/2006/main">
+  <p:cSld>
+    <p:spTree>
+      <p:nvGrpSpPr>
+        <p:cNvPr id="1" name=""/>
+        <p:cNvGrpSpPr/>
+        <p:nvPr/>
+      </p:nvGrpSpPr>
+      <p:grpSpPr>
+        <a:xfrm>
+          <a:off x="0" y="0"/>
+          <a:ext cx="0" cy="0"/>
+          <a:chOff x="0" y="0"/>
+          <a:chExt cx="0" cy="0"/>
+        </a:xfrm>
+      </p:grpSpPr>
+      <p:sp>
+        <p:nvSpPr>
+          <p:cNvPr id="2" name="Slide Image Placeholder 1"/>
+          <p:cNvSpPr>
+            <a:spLocks noGrp="1" noRot="1" noChangeAspect="1"/>
+          </p:cNvSpPr>
+          <p:nvPr>
+            <p:ph type="sldImg"/>
+          </p:nvPr>
+        </p:nvSpPr>
+        <p:spPr/>
+      </p:sp>
+      <p:sp>
+        <p:nvSpPr>
+          <p:cNvPr id="3" name="Notes Placeholder 2"/>
+          <p:cNvSpPr>
+            <a:spLocks noGrp="1"/>
+          </p:cNvSpPr>
+          <p:nvPr>
+            <p:ph type="body" idx="1"/>
+          </p:nvPr>
+        </p:nvSpPr>
+        <p:spPr/>
+        <p:txBody>
+          <a:bodyPr/>
+          <a:lstStyle/>
+          <a:p>
+            <a:endParaRPr lang="en-US" dirty="0"/>
+          </a:p>
+        </p:txBody>
+      </p:sp>
+      <p:sp>
+        <p:nvSpPr>
+          <p:cNvPr id="4" name="Slide Number Placeholder 3"/>
+          <p:cNvSpPr>
+            <a:spLocks noGrp="1"/>
+          </p:cNvSpPr>
+          <p:nvPr>
+            <p:ph type="sldNum" sz="quarter" idx="5"/>
+          </p:nvPr>
+        </p:nvSpPr>
+        <p:spPr/>
+        <p:txBody>
+          <a:bodyPr/>
+          <a:lstStyle/>
+          <a:p>
+            <a:pPr>
+              <a:defRPr/>
+            </a:pPr>
+            <a:fld id="{EBBAFCDD-B1D6-463A-BCEF-B465183E2D8F}" type="slidenum">
+              <a:rPr lang="en-US" smtClean="0"/>
+              <a:pPr>
+                <a:defRPr/>
+              </a:pPr>
+              <a:t>13</a:t>
+            </a:fld>
+            <a:endParaRPr lang="en-US"/>
+          </a:p>
+        </p:txBody>
+      </p:sp>
+    </p:spTree>
+    <p:extLst>
+      <p:ext uri="{BB962C8B-B14F-4D97-AF65-F5344CB8AC3E}">
+        <p14:creationId xmlns:p14="http://schemas.microsoft.com/office/powerpoint/2010/main" val="2186959013"/>
       </p:ext>
     </p:extLst>
   </p:cSld>
@@ -6809,6 +7095,1061 @@
 </p:sld>
 </file>
 
+<file path=ppt/slides/slide10.xml><?xml version="1.0" encoding="utf-8"?>
+<p:sld xmlns:a="http://schemas.openxmlformats.org/drawingml/2006/main" xmlns:r="http://schemas.openxmlformats.org/officeDocument/2006/relationships" xmlns:p="http://schemas.openxmlformats.org/presentationml/2006/main">
+  <p:cSld>
+    <p:spTree>
+      <p:nvGrpSpPr>
+        <p:cNvPr id="1" name=""/>
+        <p:cNvGrpSpPr/>
+        <p:nvPr/>
+      </p:nvGrpSpPr>
+      <p:grpSpPr>
+        <a:xfrm>
+          <a:off x="0" y="0"/>
+          <a:ext cx="0" cy="0"/>
+          <a:chOff x="0" y="0"/>
+          <a:chExt cx="0" cy="0"/>
+        </a:xfrm>
+      </p:grpSpPr>
+      <p:sp>
+        <p:nvSpPr>
+          <p:cNvPr id="5" name="Title 4">
+            <a:extLst>
+              <a:ext uri="{FF2B5EF4-FFF2-40B4-BE49-F238E27FC236}">
+                <a16:creationId xmlns:a16="http://schemas.microsoft.com/office/drawing/2014/main" id="{7BE99E21-6E6A-E34C-B09E-1B837ADC932D}"/>
+              </a:ext>
+            </a:extLst>
+          </p:cNvPr>
+          <p:cNvSpPr>
+            <a:spLocks noGrp="1"/>
+          </p:cNvSpPr>
+          <p:nvPr>
+            <p:ph type="title"/>
+          </p:nvPr>
+        </p:nvSpPr>
+        <p:spPr/>
+        <p:txBody>
+          <a:bodyPr/>
+          <a:lstStyle/>
+          <a:p>
+            <a:r>
+              <a:rPr lang="en-US" dirty="0"/>
+              <a:t>The </a:t>
+            </a:r>
+            <a:r>
+              <a:rPr lang="en-US" dirty="0" err="1">
+                <a:solidFill>
+                  <a:srgbClr val="0066FF"/>
+                </a:solidFill>
+                <a:latin typeface="Latin Modern Mono Light Cond 10" pitchFamily="49" charset="77"/>
+              </a:rPr>
+              <a:t>execvp</a:t>
+            </a:r>
+            <a:r>
+              <a:rPr lang="en-US" dirty="0">
+                <a:solidFill>
+                  <a:srgbClr val="0066FF"/>
+                </a:solidFill>
+                <a:latin typeface="Latin Modern Mono Light Cond 10" pitchFamily="49" charset="77"/>
+              </a:rPr>
+              <a:t>()</a:t>
+            </a:r>
+            <a:r>
+              <a:rPr lang="en-US" dirty="0"/>
+              <a:t> system call (</a:t>
+            </a:r>
+            <a:r>
+              <a:rPr lang="en-US" dirty="0">
+                <a:solidFill>
+                  <a:srgbClr val="0066FF"/>
+                </a:solidFill>
+                <a:latin typeface="Latin Modern Mono Light Cond 10" pitchFamily="49" charset="77"/>
+              </a:rPr>
+              <a:t>p3.c</a:t>
+            </a:r>
+            <a:r>
+              <a:rPr lang="en-US" dirty="0"/>
+              <a:t>)</a:t>
+            </a:r>
+          </a:p>
+        </p:txBody>
+      </p:sp>
+      <p:sp>
+        <p:nvSpPr>
+          <p:cNvPr id="7" name="Text Placeholder 6">
+            <a:extLst>
+              <a:ext uri="{FF2B5EF4-FFF2-40B4-BE49-F238E27FC236}">
+                <a16:creationId xmlns:a16="http://schemas.microsoft.com/office/drawing/2014/main" id="{8EAF52A0-45F3-094E-9C3E-20989C327700}"/>
+              </a:ext>
+            </a:extLst>
+          </p:cNvPr>
+          <p:cNvSpPr>
+            <a:spLocks noGrp="1"/>
+          </p:cNvSpPr>
+          <p:nvPr>
+            <p:ph type="body" sz="quarter" idx="11"/>
+          </p:nvPr>
+        </p:nvSpPr>
+        <p:spPr/>
+        <p:txBody>
+          <a:bodyPr/>
+          <a:lstStyle/>
+          <a:p>
+            <a:endParaRPr lang="en-US"/>
+          </a:p>
+        </p:txBody>
+      </p:sp>
+      <p:pic>
+        <p:nvPicPr>
+          <p:cNvPr id="6" name="Content Placeholder 5">
+            <a:extLst>
+              <a:ext uri="{FF2B5EF4-FFF2-40B4-BE49-F238E27FC236}">
+                <a16:creationId xmlns:a16="http://schemas.microsoft.com/office/drawing/2014/main" id="{FAC39163-8CBC-484B-94DC-F557B72B33A9}"/>
+              </a:ext>
+            </a:extLst>
+          </p:cNvPr>
+          <p:cNvPicPr>
+            <a:picLocks noGrp="1" noChangeAspect="1"/>
+          </p:cNvPicPr>
+          <p:nvPr>
+            <p:ph sz="quarter" idx="10"/>
+          </p:nvPr>
+        </p:nvPicPr>
+        <p:blipFill rotWithShape="1">
+          <a:blip r:embed="rId3"/>
+          <a:srcRect r="618"/>
+          <a:stretch/>
+        </p:blipFill>
+        <p:spPr>
+          <a:xfrm>
+            <a:off x="431798" y="1449388"/>
+            <a:ext cx="8280402" cy="5040312"/>
+          </a:xfrm>
+          <a:prstGeom prst="rect">
+            <a:avLst/>
+          </a:prstGeom>
+        </p:spPr>
+      </p:pic>
+    </p:spTree>
+    <p:extLst>
+      <p:ext uri="{BB962C8B-B14F-4D97-AF65-F5344CB8AC3E}">
+        <p14:creationId xmlns:p14="http://schemas.microsoft.com/office/powerpoint/2010/main" val="2200509968"/>
+      </p:ext>
+    </p:extLst>
+  </p:cSld>
+  <p:clrMapOvr>
+    <a:masterClrMapping/>
+  </p:clrMapOvr>
+  <mc:AlternateContent xmlns:mc="http://schemas.openxmlformats.org/markup-compatibility/2006" xmlns:p14="http://schemas.microsoft.com/office/powerpoint/2010/main">
+    <mc:Choice Requires="p14">
+      <p:transition spd="med" p14:dur="700">
+        <p:fade/>
+      </p:transition>
+    </mc:Choice>
+    <mc:Fallback xmlns="">
+      <p:transition spd="med">
+        <p:fade/>
+      </p:transition>
+    </mc:Fallback>
+  </mc:AlternateContent>
+</p:sld>
+</file>
+
+<file path=ppt/slides/slide11.xml><?xml version="1.0" encoding="utf-8"?>
+<p:sld xmlns:a="http://schemas.openxmlformats.org/drawingml/2006/main" xmlns:r="http://schemas.openxmlformats.org/officeDocument/2006/relationships" xmlns:p="http://schemas.openxmlformats.org/presentationml/2006/main">
+  <p:cSld>
+    <p:spTree>
+      <p:nvGrpSpPr>
+        <p:cNvPr id="1" name=""/>
+        <p:cNvGrpSpPr/>
+        <p:nvPr/>
+      </p:nvGrpSpPr>
+      <p:grpSpPr>
+        <a:xfrm>
+          <a:off x="0" y="0"/>
+          <a:ext cx="0" cy="0"/>
+          <a:chOff x="0" y="0"/>
+          <a:chExt cx="0" cy="0"/>
+        </a:xfrm>
+      </p:grpSpPr>
+      <p:sp>
+        <p:nvSpPr>
+          <p:cNvPr id="2" name="Title 1">
+            <a:extLst>
+              <a:ext uri="{FF2B5EF4-FFF2-40B4-BE49-F238E27FC236}">
+                <a16:creationId xmlns:a16="http://schemas.microsoft.com/office/drawing/2014/main" id="{D17A6AEA-5CBB-DE42-8023-BE3D3BAF944A}"/>
+              </a:ext>
+            </a:extLst>
+          </p:cNvPr>
+          <p:cNvSpPr>
+            <a:spLocks noGrp="1"/>
+          </p:cNvSpPr>
+          <p:nvPr>
+            <p:ph type="title"/>
+          </p:nvPr>
+        </p:nvSpPr>
+        <p:spPr/>
+        <p:txBody>
+          <a:bodyPr/>
+          <a:lstStyle/>
+          <a:p>
+            <a:r>
+              <a:rPr lang="en-US" dirty="0"/>
+              <a:t>The </a:t>
+            </a:r>
+            <a:r>
+              <a:rPr lang="en-US" dirty="0">
+                <a:solidFill>
+                  <a:srgbClr val="0066FF"/>
+                </a:solidFill>
+                <a:latin typeface="Latin Modern Mono Light Cond 10" pitchFamily="49" charset="77"/>
+              </a:rPr>
+              <a:t>wait()</a:t>
+            </a:r>
+            <a:r>
+              <a:rPr lang="en-US" dirty="0"/>
+              <a:t> system call (</a:t>
+            </a:r>
+            <a:r>
+              <a:rPr lang="en-US" dirty="0">
+                <a:solidFill>
+                  <a:srgbClr val="0066FF"/>
+                </a:solidFill>
+                <a:latin typeface="Latin Modern Mono Light Cond 10" pitchFamily="49" charset="77"/>
+              </a:rPr>
+              <a:t>p3.c</a:t>
+            </a:r>
+            <a:r>
+              <a:rPr lang="en-US" dirty="0"/>
+              <a:t>)</a:t>
+            </a:r>
+          </a:p>
+        </p:txBody>
+      </p:sp>
+      <p:sp>
+        <p:nvSpPr>
+          <p:cNvPr id="3" name="Content Placeholder 2">
+            <a:extLst>
+              <a:ext uri="{FF2B5EF4-FFF2-40B4-BE49-F238E27FC236}">
+                <a16:creationId xmlns:a16="http://schemas.microsoft.com/office/drawing/2014/main" id="{4210686F-F9E5-8744-8B5F-339F02E79FCE}"/>
+              </a:ext>
+            </a:extLst>
+          </p:cNvPr>
+          <p:cNvSpPr>
+            <a:spLocks noGrp="1"/>
+          </p:cNvSpPr>
+          <p:nvPr>
+            <p:ph sz="quarter" idx="10"/>
+          </p:nvPr>
+        </p:nvSpPr>
+        <p:spPr/>
+        <p:txBody>
+          <a:bodyPr/>
+          <a:lstStyle/>
+          <a:p>
+            <a:r>
+              <a:rPr lang="en-US" dirty="0"/>
+              <a:t>Read the docs to learn about</a:t>
+            </a:r>
+            <a:r>
+              <a:rPr lang="en-US" dirty="0">
+                <a:solidFill>
+                  <a:srgbClr val="0066FF"/>
+                </a:solidFill>
+                <a:latin typeface="Latin Modern Mono Light Cond 10" pitchFamily="49" charset="77"/>
+              </a:rPr>
+              <a:t> </a:t>
+            </a:r>
+            <a:r>
+              <a:rPr lang="en-US" dirty="0" err="1">
+                <a:solidFill>
+                  <a:srgbClr val="0066FF"/>
+                </a:solidFill>
+                <a:latin typeface="Latin Modern Mono Light Cond 10" pitchFamily="49" charset="77"/>
+              </a:rPr>
+              <a:t>execvp</a:t>
+            </a:r>
+            <a:r>
+              <a:rPr lang="en-US" dirty="0"/>
+              <a:t>.</a:t>
+            </a:r>
+          </a:p>
+          <a:p>
+            <a:r>
+              <a:rPr lang="en-US" dirty="0"/>
+              <a:t>Compile and run </a:t>
+            </a:r>
+            <a:r>
+              <a:rPr lang="en-US" dirty="0">
+                <a:solidFill>
+                  <a:srgbClr val="0066FF"/>
+                </a:solidFill>
+                <a:latin typeface="Latin Modern Mono Light Cond 10" pitchFamily="49" charset="77"/>
+              </a:rPr>
+              <a:t>p3.c</a:t>
+            </a:r>
+            <a:r>
+              <a:rPr lang="en-US" dirty="0"/>
+              <a:t>. The snapshot below is what I got as a result.</a:t>
+            </a:r>
+          </a:p>
+          <a:p>
+            <a:endParaRPr lang="en-US" dirty="0"/>
+          </a:p>
+          <a:p>
+            <a:endParaRPr lang="en-US" dirty="0"/>
+          </a:p>
+          <a:p>
+            <a:r>
+              <a:rPr lang="en-US" dirty="0"/>
+              <a:t>Did you get something similar? </a:t>
+            </a:r>
+          </a:p>
+          <a:p>
+            <a:r>
+              <a:rPr lang="en-US" dirty="0"/>
+              <a:t>Does </a:t>
+            </a:r>
+            <a:r>
+              <a:rPr lang="en-US" dirty="0" err="1">
+                <a:solidFill>
+                  <a:srgbClr val="0066FF"/>
+                </a:solidFill>
+                <a:latin typeface="Latin Modern Mono Light Cond 10" pitchFamily="49" charset="77"/>
+              </a:rPr>
+              <a:t>execvp</a:t>
+            </a:r>
+            <a:r>
+              <a:rPr lang="en-US" dirty="0"/>
+              <a:t> seem to be working as expected?</a:t>
+            </a:r>
+          </a:p>
+          <a:p>
+            <a:r>
+              <a:rPr lang="en-US" dirty="0"/>
+              <a:t>Can you write down a trace of </a:t>
+            </a:r>
+            <a:r>
+              <a:rPr lang="en-US" dirty="0">
+                <a:solidFill>
+                  <a:srgbClr val="0066FF"/>
+                </a:solidFill>
+                <a:latin typeface="Latin Modern Mono Light Cond 10" pitchFamily="49" charset="77"/>
+              </a:rPr>
+              <a:t>p3</a:t>
+            </a:r>
+            <a:r>
+              <a:rPr lang="en-US" dirty="0"/>
+              <a:t>’s execution?</a:t>
+            </a:r>
+          </a:p>
+          <a:p>
+            <a:r>
+              <a:rPr lang="en-US" dirty="0"/>
+              <a:t>Is that the only output that </a:t>
+            </a:r>
+            <a:r>
+              <a:rPr lang="en-US" dirty="0">
+                <a:solidFill>
+                  <a:srgbClr val="0066FF"/>
+                </a:solidFill>
+                <a:latin typeface="Latin Modern Mono Light Cond 10" pitchFamily="49" charset="77"/>
+              </a:rPr>
+              <a:t>p3</a:t>
+            </a:r>
+            <a:r>
+              <a:rPr lang="en-US" dirty="0"/>
+              <a:t> might have produced? Could it be longer? Could the lines appear in another sequence?</a:t>
+            </a:r>
+          </a:p>
+        </p:txBody>
+      </p:sp>
+      <p:sp>
+        <p:nvSpPr>
+          <p:cNvPr id="4" name="Text Placeholder 3">
+            <a:extLst>
+              <a:ext uri="{FF2B5EF4-FFF2-40B4-BE49-F238E27FC236}">
+                <a16:creationId xmlns:a16="http://schemas.microsoft.com/office/drawing/2014/main" id="{D50CAE36-1855-A14F-AE27-09EA8E6CF5BF}"/>
+              </a:ext>
+            </a:extLst>
+          </p:cNvPr>
+          <p:cNvSpPr>
+            <a:spLocks noGrp="1"/>
+          </p:cNvSpPr>
+          <p:nvPr>
+            <p:ph type="body" sz="quarter" idx="11"/>
+          </p:nvPr>
+        </p:nvSpPr>
+        <p:spPr/>
+        <p:txBody>
+          <a:bodyPr/>
+          <a:lstStyle/>
+          <a:p>
+            <a:endParaRPr lang="en-US"/>
+          </a:p>
+        </p:txBody>
+      </p:sp>
+      <p:pic>
+        <p:nvPicPr>
+          <p:cNvPr id="7" name="Picture 6">
+            <a:extLst>
+              <a:ext uri="{FF2B5EF4-FFF2-40B4-BE49-F238E27FC236}">
+                <a16:creationId xmlns:a16="http://schemas.microsoft.com/office/drawing/2014/main" id="{6DD2C804-0816-5C44-9333-2004BA3B218E}"/>
+              </a:ext>
+            </a:extLst>
+          </p:cNvPr>
+          <p:cNvPicPr>
+            <a:picLocks noChangeAspect="1"/>
+          </p:cNvPicPr>
+          <p:nvPr/>
+        </p:nvPicPr>
+        <p:blipFill rotWithShape="1">
+          <a:blip r:embed="rId2"/>
+          <a:srcRect l="2490" t="21073" r="43118" b="22847"/>
+          <a:stretch/>
+        </p:blipFill>
+        <p:spPr>
+          <a:xfrm>
+            <a:off x="684213" y="2457496"/>
+            <a:ext cx="6133837" cy="1185779"/>
+          </a:xfrm>
+          <a:prstGeom prst="rect">
+            <a:avLst/>
+          </a:prstGeom>
+        </p:spPr>
+      </p:pic>
+    </p:spTree>
+    <p:extLst>
+      <p:ext uri="{BB962C8B-B14F-4D97-AF65-F5344CB8AC3E}">
+        <p14:creationId xmlns:p14="http://schemas.microsoft.com/office/powerpoint/2010/main" val="1892702529"/>
+      </p:ext>
+    </p:extLst>
+  </p:cSld>
+  <p:clrMapOvr>
+    <a:masterClrMapping/>
+  </p:clrMapOvr>
+  <mc:AlternateContent xmlns:mc="http://schemas.openxmlformats.org/markup-compatibility/2006" xmlns:p14="http://schemas.microsoft.com/office/powerpoint/2010/main">
+    <mc:Choice Requires="p14">
+      <p:transition spd="med" p14:dur="700">
+        <p:fade/>
+      </p:transition>
+    </mc:Choice>
+    <mc:Fallback xmlns="">
+      <p:transition spd="med">
+        <p:fade/>
+      </p:transition>
+    </mc:Fallback>
+  </mc:AlternateContent>
+</p:sld>
+</file>
+
+<file path=ppt/slides/slide12.xml><?xml version="1.0" encoding="utf-8"?>
+<p:sld xmlns:a="http://schemas.openxmlformats.org/drawingml/2006/main" xmlns:r="http://schemas.openxmlformats.org/officeDocument/2006/relationships" xmlns:p="http://schemas.openxmlformats.org/presentationml/2006/main">
+  <p:cSld>
+    <p:spTree>
+      <p:nvGrpSpPr>
+        <p:cNvPr id="1" name=""/>
+        <p:cNvGrpSpPr/>
+        <p:nvPr/>
+      </p:nvGrpSpPr>
+      <p:grpSpPr>
+        <a:xfrm>
+          <a:off x="0" y="0"/>
+          <a:ext cx="0" cy="0"/>
+          <a:chOff x="0" y="0"/>
+          <a:chExt cx="0" cy="0"/>
+        </a:xfrm>
+      </p:grpSpPr>
+      <p:sp>
+        <p:nvSpPr>
+          <p:cNvPr id="2" name="Title 1"/>
+          <p:cNvSpPr>
+            <a:spLocks noGrp="1"/>
+          </p:cNvSpPr>
+          <p:nvPr>
+            <p:ph type="title"/>
+          </p:nvPr>
+        </p:nvSpPr>
+        <p:spPr/>
+        <p:txBody>
+          <a:bodyPr/>
+          <a:lstStyle/>
+          <a:p>
+            <a:r>
+              <a:rPr lang="en-US" dirty="0"/>
+              <a:t>Redirecting </a:t>
+            </a:r>
+            <a:br>
+              <a:rPr lang="en-US" dirty="0"/>
+            </a:br>
+            <a:r>
+              <a:rPr lang="en-US" dirty="0"/>
+              <a:t>the output of a process</a:t>
+            </a:r>
+          </a:p>
+        </p:txBody>
+      </p:sp>
+      <p:sp>
+        <p:nvSpPr>
+          <p:cNvPr id="3" name="Text Placeholder 2"/>
+          <p:cNvSpPr>
+            <a:spLocks noGrp="1"/>
+          </p:cNvSpPr>
+          <p:nvPr>
+            <p:ph type="body" idx="1"/>
+          </p:nvPr>
+        </p:nvSpPr>
+        <p:spPr/>
+        <p:txBody>
+          <a:bodyPr/>
+          <a:lstStyle/>
+          <a:p>
+            <a:endParaRPr lang="en-US" dirty="0"/>
+          </a:p>
+        </p:txBody>
+      </p:sp>
+      <p:sp>
+        <p:nvSpPr>
+          <p:cNvPr id="4" name="Text Placeholder 3"/>
+          <p:cNvSpPr>
+            <a:spLocks noGrp="1"/>
+          </p:cNvSpPr>
+          <p:nvPr>
+            <p:ph type="body" sz="quarter" idx="10"/>
+          </p:nvPr>
+        </p:nvSpPr>
+        <p:spPr/>
+        <p:txBody>
+          <a:bodyPr/>
+          <a:lstStyle/>
+          <a:p>
+            <a:endParaRPr lang="en-US"/>
+          </a:p>
+        </p:txBody>
+      </p:sp>
+    </p:spTree>
+    <p:extLst>
+      <p:ext uri="{BB962C8B-B14F-4D97-AF65-F5344CB8AC3E}">
+        <p14:creationId xmlns:p14="http://schemas.microsoft.com/office/powerpoint/2010/main" val="2388989788"/>
+      </p:ext>
+    </p:extLst>
+  </p:cSld>
+  <p:clrMapOvr>
+    <a:masterClrMapping/>
+  </p:clrMapOvr>
+  <mc:AlternateContent xmlns:mc="http://schemas.openxmlformats.org/markup-compatibility/2006" xmlns:p14="http://schemas.microsoft.com/office/powerpoint/2010/main">
+    <mc:Choice Requires="p14">
+      <p:transition spd="med" p14:dur="700">
+        <p:fade/>
+      </p:transition>
+    </mc:Choice>
+    <mc:Fallback xmlns="">
+      <p:transition spd="med">
+        <p:fade/>
+      </p:transition>
+    </mc:Fallback>
+  </mc:AlternateContent>
+</p:sld>
+</file>
+
+<file path=ppt/slides/slide13.xml><?xml version="1.0" encoding="utf-8"?>
+<p:sld xmlns:a="http://schemas.openxmlformats.org/drawingml/2006/main" xmlns:r="http://schemas.openxmlformats.org/officeDocument/2006/relationships" xmlns:p="http://schemas.openxmlformats.org/presentationml/2006/main">
+  <p:cSld>
+    <p:spTree>
+      <p:nvGrpSpPr>
+        <p:cNvPr id="1" name=""/>
+        <p:cNvGrpSpPr/>
+        <p:nvPr/>
+      </p:nvGrpSpPr>
+      <p:grpSpPr>
+        <a:xfrm>
+          <a:off x="0" y="0"/>
+          <a:ext cx="0" cy="0"/>
+          <a:chOff x="0" y="0"/>
+          <a:chExt cx="0" cy="0"/>
+        </a:xfrm>
+      </p:grpSpPr>
+      <p:sp>
+        <p:nvSpPr>
+          <p:cNvPr id="5" name="Title 4">
+            <a:extLst>
+              <a:ext uri="{FF2B5EF4-FFF2-40B4-BE49-F238E27FC236}">
+                <a16:creationId xmlns:a16="http://schemas.microsoft.com/office/drawing/2014/main" id="{7BE99E21-6E6A-E34C-B09E-1B837ADC932D}"/>
+              </a:ext>
+            </a:extLst>
+          </p:cNvPr>
+          <p:cNvSpPr>
+            <a:spLocks noGrp="1"/>
+          </p:cNvSpPr>
+          <p:nvPr>
+            <p:ph type="title"/>
+          </p:nvPr>
+        </p:nvSpPr>
+        <p:spPr/>
+        <p:txBody>
+          <a:bodyPr/>
+          <a:lstStyle/>
+          <a:p>
+            <a:r>
+              <a:rPr lang="en-US" dirty="0"/>
+              <a:t>The </a:t>
+            </a:r>
+            <a:r>
+              <a:rPr lang="en-US" dirty="0">
+                <a:solidFill>
+                  <a:srgbClr val="0066FF"/>
+                </a:solidFill>
+                <a:latin typeface="Latin Modern Mono Light Cond 10" pitchFamily="49" charset="77"/>
+              </a:rPr>
+              <a:t>close() </a:t>
+            </a:r>
+            <a:r>
+              <a:rPr lang="en-US" dirty="0"/>
+              <a:t>and </a:t>
+            </a:r>
+            <a:r>
+              <a:rPr lang="en-US" dirty="0">
+                <a:solidFill>
+                  <a:srgbClr val="0066FF"/>
+                </a:solidFill>
+                <a:latin typeface="Latin Modern Mono Light Cond 10" pitchFamily="49" charset="77"/>
+              </a:rPr>
+              <a:t>open()</a:t>
+            </a:r>
+            <a:r>
+              <a:rPr lang="en-US" dirty="0"/>
+              <a:t> system calls (</a:t>
+            </a:r>
+            <a:r>
+              <a:rPr lang="en-US" dirty="0">
+                <a:solidFill>
+                  <a:srgbClr val="0066FF"/>
+                </a:solidFill>
+                <a:latin typeface="Latin Modern Mono Light Cond 10" pitchFamily="49" charset="77"/>
+              </a:rPr>
+              <a:t>p4.c</a:t>
+            </a:r>
+            <a:r>
+              <a:rPr lang="en-US" dirty="0"/>
+              <a:t>)</a:t>
+            </a:r>
+          </a:p>
+        </p:txBody>
+      </p:sp>
+      <p:sp>
+        <p:nvSpPr>
+          <p:cNvPr id="7" name="Text Placeholder 6">
+            <a:extLst>
+              <a:ext uri="{FF2B5EF4-FFF2-40B4-BE49-F238E27FC236}">
+                <a16:creationId xmlns:a16="http://schemas.microsoft.com/office/drawing/2014/main" id="{8EAF52A0-45F3-094E-9C3E-20989C327700}"/>
+              </a:ext>
+            </a:extLst>
+          </p:cNvPr>
+          <p:cNvSpPr>
+            <a:spLocks noGrp="1"/>
+          </p:cNvSpPr>
+          <p:nvPr>
+            <p:ph type="body" sz="quarter" idx="11"/>
+          </p:nvPr>
+        </p:nvSpPr>
+        <p:spPr/>
+        <p:txBody>
+          <a:bodyPr/>
+          <a:lstStyle/>
+          <a:p>
+            <a:endParaRPr lang="en-US"/>
+          </a:p>
+        </p:txBody>
+      </p:sp>
+      <p:pic>
+        <p:nvPicPr>
+          <p:cNvPr id="4" name="Content Placeholder 3">
+            <a:extLst>
+              <a:ext uri="{FF2B5EF4-FFF2-40B4-BE49-F238E27FC236}">
+                <a16:creationId xmlns:a16="http://schemas.microsoft.com/office/drawing/2014/main" id="{BEEA52A2-59E6-9047-AA1F-C7D6A424F09E}"/>
+              </a:ext>
+            </a:extLst>
+          </p:cNvPr>
+          <p:cNvPicPr>
+            <a:picLocks noGrp="1" noChangeAspect="1"/>
+          </p:cNvPicPr>
+          <p:nvPr>
+            <p:ph sz="quarter" idx="10"/>
+          </p:nvPr>
+        </p:nvPicPr>
+        <p:blipFill rotWithShape="1">
+          <a:blip r:embed="rId3"/>
+          <a:srcRect r="1570"/>
+          <a:stretch/>
+        </p:blipFill>
+        <p:spPr>
+          <a:xfrm>
+            <a:off x="431800" y="1449388"/>
+            <a:ext cx="8280400" cy="5040312"/>
+          </a:xfrm>
+          <a:prstGeom prst="rect">
+            <a:avLst/>
+          </a:prstGeom>
+        </p:spPr>
+      </p:pic>
+    </p:spTree>
+    <p:extLst>
+      <p:ext uri="{BB962C8B-B14F-4D97-AF65-F5344CB8AC3E}">
+        <p14:creationId xmlns:p14="http://schemas.microsoft.com/office/powerpoint/2010/main" val="1672069420"/>
+      </p:ext>
+    </p:extLst>
+  </p:cSld>
+  <p:clrMapOvr>
+    <a:masterClrMapping/>
+  </p:clrMapOvr>
+  <mc:AlternateContent xmlns:mc="http://schemas.openxmlformats.org/markup-compatibility/2006" xmlns:p14="http://schemas.microsoft.com/office/powerpoint/2010/main">
+    <mc:Choice Requires="p14">
+      <p:transition spd="med" p14:dur="700">
+        <p:fade/>
+      </p:transition>
+    </mc:Choice>
+    <mc:Fallback xmlns="">
+      <p:transition spd="med">
+        <p:fade/>
+      </p:transition>
+    </mc:Fallback>
+  </mc:AlternateContent>
+</p:sld>
+</file>
+
+<file path=ppt/slides/slide14.xml><?xml version="1.0" encoding="utf-8"?>
+<p:sld xmlns:a="http://schemas.openxmlformats.org/drawingml/2006/main" xmlns:r="http://schemas.openxmlformats.org/officeDocument/2006/relationships" xmlns:p="http://schemas.openxmlformats.org/presentationml/2006/main">
+  <p:cSld>
+    <p:spTree>
+      <p:nvGrpSpPr>
+        <p:cNvPr id="1" name=""/>
+        <p:cNvGrpSpPr/>
+        <p:nvPr/>
+      </p:nvGrpSpPr>
+      <p:grpSpPr>
+        <a:xfrm>
+          <a:off x="0" y="0"/>
+          <a:ext cx="0" cy="0"/>
+          <a:chOff x="0" y="0"/>
+          <a:chExt cx="0" cy="0"/>
+        </a:xfrm>
+      </p:grpSpPr>
+      <p:sp>
+        <p:nvSpPr>
+          <p:cNvPr id="2" name="Title 1">
+            <a:extLst>
+              <a:ext uri="{FF2B5EF4-FFF2-40B4-BE49-F238E27FC236}">
+                <a16:creationId xmlns:a16="http://schemas.microsoft.com/office/drawing/2014/main" id="{D17A6AEA-5CBB-DE42-8023-BE3D3BAF944A}"/>
+              </a:ext>
+            </a:extLst>
+          </p:cNvPr>
+          <p:cNvSpPr>
+            <a:spLocks noGrp="1"/>
+          </p:cNvSpPr>
+          <p:nvPr>
+            <p:ph type="title"/>
+          </p:nvPr>
+        </p:nvSpPr>
+        <p:spPr/>
+        <p:txBody>
+          <a:bodyPr/>
+          <a:lstStyle/>
+          <a:p>
+            <a:r>
+              <a:rPr lang="en-US" dirty="0"/>
+              <a:t>Redirecting program output (</a:t>
+            </a:r>
+            <a:r>
+              <a:rPr lang="en-US" dirty="0">
+                <a:solidFill>
+                  <a:srgbClr val="0066FF"/>
+                </a:solidFill>
+                <a:latin typeface="Latin Modern Mono Light Cond 10" pitchFamily="49" charset="77"/>
+              </a:rPr>
+              <a:t>p4.c</a:t>
+            </a:r>
+            <a:r>
+              <a:rPr lang="en-US" dirty="0"/>
+              <a:t>)</a:t>
+            </a:r>
+          </a:p>
+        </p:txBody>
+      </p:sp>
+      <p:sp>
+        <p:nvSpPr>
+          <p:cNvPr id="3" name="Content Placeholder 2">
+            <a:extLst>
+              <a:ext uri="{FF2B5EF4-FFF2-40B4-BE49-F238E27FC236}">
+                <a16:creationId xmlns:a16="http://schemas.microsoft.com/office/drawing/2014/main" id="{4210686F-F9E5-8744-8B5F-339F02E79FCE}"/>
+              </a:ext>
+            </a:extLst>
+          </p:cNvPr>
+          <p:cNvSpPr>
+            <a:spLocks noGrp="1"/>
+          </p:cNvSpPr>
+          <p:nvPr>
+            <p:ph sz="quarter" idx="10"/>
+          </p:nvPr>
+        </p:nvSpPr>
+        <p:spPr/>
+        <p:txBody>
+          <a:bodyPr>
+            <a:normAutofit/>
+          </a:bodyPr>
+          <a:lstStyle/>
+          <a:p>
+            <a:r>
+              <a:rPr lang="en-US" dirty="0"/>
+              <a:t>Read the docs to learn about</a:t>
+            </a:r>
+            <a:r>
+              <a:rPr lang="en-US" dirty="0">
+                <a:solidFill>
+                  <a:srgbClr val="0066FF"/>
+                </a:solidFill>
+                <a:latin typeface="Latin Modern Mono Light Cond 10" pitchFamily="49" charset="77"/>
+              </a:rPr>
+              <a:t> close</a:t>
+            </a:r>
+            <a:r>
+              <a:rPr lang="en-US" dirty="0"/>
+              <a:t>, </a:t>
+            </a:r>
+            <a:r>
+              <a:rPr lang="en-US" dirty="0">
+                <a:solidFill>
+                  <a:srgbClr val="0066FF"/>
+                </a:solidFill>
+                <a:latin typeface="Latin Modern Mono Light Cond 10" pitchFamily="49" charset="77"/>
+              </a:rPr>
+              <a:t>open</a:t>
+            </a:r>
+            <a:r>
+              <a:rPr lang="en-US" dirty="0"/>
+              <a:t> and </a:t>
+            </a:r>
+            <a:r>
+              <a:rPr lang="en-US" dirty="0">
+                <a:solidFill>
+                  <a:srgbClr val="0066FF"/>
+                </a:solidFill>
+                <a:latin typeface="Latin Modern Mono Light Cond 10" pitchFamily="49" charset="77"/>
+              </a:rPr>
+              <a:t>cat</a:t>
+            </a:r>
+            <a:r>
+              <a:rPr lang="en-US" dirty="0"/>
+              <a:t>.</a:t>
+            </a:r>
+          </a:p>
+          <a:p>
+            <a:r>
+              <a:rPr lang="en-US" dirty="0"/>
+              <a:t>Compile and run </a:t>
+            </a:r>
+            <a:r>
+              <a:rPr lang="en-US" dirty="0">
+                <a:solidFill>
+                  <a:srgbClr val="0066FF"/>
+                </a:solidFill>
+                <a:latin typeface="Latin Modern Mono Light Cond 10" pitchFamily="49" charset="77"/>
+              </a:rPr>
+              <a:t>p4.c</a:t>
+            </a:r>
+            <a:r>
+              <a:rPr lang="en-US" dirty="0"/>
+              <a:t>. The snapshot below is what I got as a result.</a:t>
+            </a:r>
+          </a:p>
+          <a:p>
+            <a:pPr marL="0" indent="0">
+              <a:buNone/>
+            </a:pPr>
+            <a:endParaRPr lang="en-US" dirty="0"/>
+          </a:p>
+          <a:p>
+            <a:r>
+              <a:rPr lang="en-US" dirty="0"/>
+              <a:t>Did you get something similar? Where has </a:t>
+            </a:r>
+            <a:r>
+              <a:rPr lang="en-US" dirty="0">
+                <a:solidFill>
+                  <a:srgbClr val="0066FF"/>
+                </a:solidFill>
+                <a:latin typeface="Latin Modern Mono Light Cond 10" pitchFamily="49" charset="77"/>
+              </a:rPr>
+              <a:t>p4</a:t>
+            </a:r>
+            <a:r>
+              <a:rPr lang="en-US" dirty="0"/>
+              <a:t>’s output gone? </a:t>
+            </a:r>
+          </a:p>
+          <a:p>
+            <a:r>
+              <a:rPr lang="en-US" dirty="0"/>
+              <a:t>Does </a:t>
+            </a:r>
+            <a:r>
+              <a:rPr lang="en-US" dirty="0">
+                <a:solidFill>
+                  <a:srgbClr val="0066FF"/>
+                </a:solidFill>
+                <a:latin typeface="Latin Modern Mono Light Cond 10" pitchFamily="49" charset="77"/>
+              </a:rPr>
+              <a:t>p4</a:t>
+            </a:r>
+            <a:r>
+              <a:rPr lang="en-US" dirty="0"/>
+              <a:t> seem to be working as expected?</a:t>
+            </a:r>
+          </a:p>
+          <a:p>
+            <a:r>
+              <a:rPr lang="en-US" dirty="0"/>
+              <a:t>Now type </a:t>
+            </a:r>
+            <a:r>
+              <a:rPr lang="en-US" dirty="0">
+                <a:solidFill>
+                  <a:srgbClr val="0066FF"/>
+                </a:solidFill>
+                <a:latin typeface="Latin Modern Mono Light Cond 10" pitchFamily="49" charset="77"/>
+              </a:rPr>
+              <a:t>cat p4.output </a:t>
+            </a:r>
+            <a:r>
+              <a:rPr lang="en-US" dirty="0"/>
+              <a:t>at the command prompt. This is what I got...</a:t>
+            </a:r>
+          </a:p>
+          <a:p>
+            <a:pPr marL="0" indent="0">
+              <a:buNone/>
+            </a:pPr>
+            <a:br>
+              <a:rPr lang="en-US" dirty="0"/>
+            </a:br>
+            <a:endParaRPr lang="en-US" dirty="0"/>
+          </a:p>
+          <a:p>
+            <a:r>
+              <a:rPr lang="en-US" dirty="0"/>
+              <a:t>Is that what you would expect? Is that the only possible output?</a:t>
+            </a:r>
+          </a:p>
+        </p:txBody>
+      </p:sp>
+      <p:sp>
+        <p:nvSpPr>
+          <p:cNvPr id="4" name="Text Placeholder 3">
+            <a:extLst>
+              <a:ext uri="{FF2B5EF4-FFF2-40B4-BE49-F238E27FC236}">
+                <a16:creationId xmlns:a16="http://schemas.microsoft.com/office/drawing/2014/main" id="{D50CAE36-1855-A14F-AE27-09EA8E6CF5BF}"/>
+              </a:ext>
+            </a:extLst>
+          </p:cNvPr>
+          <p:cNvSpPr>
+            <a:spLocks noGrp="1"/>
+          </p:cNvSpPr>
+          <p:nvPr>
+            <p:ph type="body" sz="quarter" idx="11"/>
+          </p:nvPr>
+        </p:nvSpPr>
+        <p:spPr/>
+        <p:txBody>
+          <a:bodyPr/>
+          <a:lstStyle/>
+          <a:p>
+            <a:endParaRPr lang="en-US"/>
+          </a:p>
+        </p:txBody>
+      </p:sp>
+      <p:pic>
+        <p:nvPicPr>
+          <p:cNvPr id="5" name="Picture 4">
+            <a:extLst>
+              <a:ext uri="{FF2B5EF4-FFF2-40B4-BE49-F238E27FC236}">
+                <a16:creationId xmlns:a16="http://schemas.microsoft.com/office/drawing/2014/main" id="{BBE035A7-E6CE-B640-9519-0926D6EE6499}"/>
+              </a:ext>
+            </a:extLst>
+          </p:cNvPr>
+          <p:cNvPicPr>
+            <a:picLocks noChangeAspect="1"/>
+          </p:cNvPicPr>
+          <p:nvPr/>
+        </p:nvPicPr>
+        <p:blipFill rotWithShape="1">
+          <a:blip r:embed="rId2"/>
+          <a:srcRect r="33552"/>
+          <a:stretch/>
+        </p:blipFill>
+        <p:spPr>
+          <a:xfrm>
+            <a:off x="684212" y="2443748"/>
+            <a:ext cx="3887787" cy="507815"/>
+          </a:xfrm>
+          <a:prstGeom prst="rect">
+            <a:avLst/>
+          </a:prstGeom>
+        </p:spPr>
+      </p:pic>
+      <p:pic>
+        <p:nvPicPr>
+          <p:cNvPr id="6" name="Picture 5">
+            <a:extLst>
+              <a:ext uri="{FF2B5EF4-FFF2-40B4-BE49-F238E27FC236}">
+                <a16:creationId xmlns:a16="http://schemas.microsoft.com/office/drawing/2014/main" id="{4F048241-D0E9-EF49-969D-FA675BA5F763}"/>
+              </a:ext>
+            </a:extLst>
+          </p:cNvPr>
+          <p:cNvPicPr>
+            <a:picLocks noChangeAspect="1"/>
+          </p:cNvPicPr>
+          <p:nvPr/>
+        </p:nvPicPr>
+        <p:blipFill rotWithShape="1">
+          <a:blip r:embed="rId3"/>
+          <a:srcRect t="8078" r="37158" b="47700"/>
+          <a:stretch/>
+        </p:blipFill>
+        <p:spPr>
+          <a:xfrm>
+            <a:off x="684212" y="4864963"/>
+            <a:ext cx="4988619" cy="790113"/>
+          </a:xfrm>
+          <a:prstGeom prst="rect">
+            <a:avLst/>
+          </a:prstGeom>
+        </p:spPr>
+      </p:pic>
+    </p:spTree>
+    <p:extLst>
+      <p:ext uri="{BB962C8B-B14F-4D97-AF65-F5344CB8AC3E}">
+        <p14:creationId xmlns:p14="http://schemas.microsoft.com/office/powerpoint/2010/main" val="356495674"/>
+      </p:ext>
+    </p:extLst>
+  </p:cSld>
+  <p:clrMapOvr>
+    <a:masterClrMapping/>
+  </p:clrMapOvr>
+  <mc:AlternateContent xmlns:mc="http://schemas.openxmlformats.org/markup-compatibility/2006" xmlns:p14="http://schemas.microsoft.com/office/powerpoint/2010/main">
+    <mc:Choice Requires="p14">
+      <p:transition spd="med" p14:dur="700">
+        <p:fade/>
+      </p:transition>
+    </mc:Choice>
+    <mc:Fallback xmlns="">
+      <p:transition spd="med">
+        <p:fade/>
+      </p:transition>
+    </mc:Fallback>
+  </mc:AlternateContent>
+</p:sld>
+</file>
+
 <file path=ppt/slides/slide2.xml><?xml version="1.0" encoding="utf-8"?>
 <p:sld xmlns:a="http://schemas.openxmlformats.org/drawingml/2006/main" xmlns:r="http://schemas.openxmlformats.org/officeDocument/2006/relationships" xmlns:p="http://schemas.openxmlformats.org/presentationml/2006/main">
   <p:cSld>
@@ -6877,7 +8218,7 @@
             <a:pPr marL="360363" indent="-360363"/>
             <a:r>
               <a:rPr lang="en-US" sz="3600" dirty="0"/>
-              <a:t>Here we discuss process creation in Unix systems, in an attempt at answering two questions</a:t>
+              <a:t>Here we discuss process management in Unix systems, in an attempt at answering two questions</a:t>
             </a:r>
           </a:p>
           <a:p>
@@ -7091,35 +8432,7 @@
             </a:r>
             <a:r>
               <a:rPr lang="en-US" dirty="0"/>
-              <a:t> system call</a:t>
-            </a:r>
-          </a:p>
-        </p:txBody>
-      </p:sp>
-      <p:sp>
-        <p:nvSpPr>
-          <p:cNvPr id="6" name="Content Placeholder 5">
-            <a:extLst>
-              <a:ext uri="{FF2B5EF4-FFF2-40B4-BE49-F238E27FC236}">
-                <a16:creationId xmlns:a16="http://schemas.microsoft.com/office/drawing/2014/main" id="{EA324175-ABCD-DC4F-877F-6CCC60C45363}"/>
-              </a:ext>
-            </a:extLst>
-          </p:cNvPr>
-          <p:cNvSpPr>
-            <a:spLocks noGrp="1"/>
-          </p:cNvSpPr>
-          <p:nvPr>
-            <p:ph sz="quarter" idx="10"/>
-          </p:nvPr>
-        </p:nvSpPr>
-        <p:spPr/>
-        <p:txBody>
-          <a:bodyPr/>
-          <a:lstStyle/>
-          <a:p>
-            <a:r>
-              <a:rPr lang="en-US" dirty="0"/>
-              <a:t>The </a:t>
+              <a:t> system call (</a:t>
             </a:r>
             <a:r>
               <a:rPr lang="en-US" dirty="0">
@@ -7128,11 +8441,11 @@
                 </a:solidFill>
                 <a:latin typeface="Latin Modern Mono Light Cond 10" pitchFamily="49" charset="77"/>
               </a:rPr>
-              <a:t>fork()</a:t>
+              <a:t>p1.c</a:t>
             </a:r>
             <a:r>
               <a:rPr lang="en-US" dirty="0"/>
-              <a:t> system call is used by a process to create a new one.</a:t>
+              <a:t>)</a:t>
             </a:r>
           </a:p>
         </p:txBody>
@@ -7164,28 +8477,29 @@
       </p:sp>
       <p:pic>
         <p:nvPicPr>
-          <p:cNvPr id="10" name="Picture 9">
+          <p:cNvPr id="4" name="Content Placeholder 3">
             <a:extLst>
               <a:ext uri="{FF2B5EF4-FFF2-40B4-BE49-F238E27FC236}">
-                <a16:creationId xmlns:a16="http://schemas.microsoft.com/office/drawing/2014/main" id="{9F476875-85B4-8047-8A46-068F4D0B00BC}"/>
+                <a16:creationId xmlns:a16="http://schemas.microsoft.com/office/drawing/2014/main" id="{DEDB4497-F4B3-2348-9C23-F4AFC90F3347}"/>
               </a:ext>
             </a:extLst>
           </p:cNvPr>
           <p:cNvPicPr>
-            <a:picLocks noChangeAspect="1"/>
+            <a:picLocks noGrp="1" noChangeAspect="1"/>
           </p:cNvPicPr>
-          <p:nvPr/>
+          <p:nvPr>
+            <p:ph sz="quarter" idx="10"/>
+          </p:nvPr>
         </p:nvPicPr>
-        <p:blipFill>
+        <p:blipFill rotWithShape="1">
           <a:blip r:embed="rId3"/>
-          <a:stretch>
-            <a:fillRect/>
-          </a:stretch>
+          <a:srcRect r="22567"/>
+          <a:stretch/>
         </p:blipFill>
         <p:spPr>
           <a:xfrm>
-            <a:off x="684212" y="1809750"/>
-            <a:ext cx="8106323" cy="5048249"/>
+            <a:off x="431798" y="1809749"/>
+            <a:ext cx="8280402" cy="4695345"/>
           </a:xfrm>
           <a:prstGeom prst="rect">
             <a:avLst/>
@@ -7236,10 +8550,10 @@
       </p:grpSpPr>
       <p:sp>
         <p:nvSpPr>
-          <p:cNvPr id="8" name="Content Placeholder 7">
+          <p:cNvPr id="2" name="Title 1">
             <a:extLst>
               <a:ext uri="{FF2B5EF4-FFF2-40B4-BE49-F238E27FC236}">
-                <a16:creationId xmlns:a16="http://schemas.microsoft.com/office/drawing/2014/main" id="{03327ED9-CCF3-5F4E-90EF-7FD50991F379}"/>
+                <a16:creationId xmlns:a16="http://schemas.microsoft.com/office/drawing/2014/main" id="{D17A6AEA-5CBB-DE42-8023-BE3D3BAF944A}"/>
               </a:ext>
             </a:extLst>
           </p:cNvPr>
@@ -7247,30 +8561,17 @@
             <a:spLocks noGrp="1"/>
           </p:cNvSpPr>
           <p:nvPr>
-            <p:ph sz="half" idx="2"/>
-          </p:nvPr>
-        </p:nvSpPr>
-        <p:spPr>
-          <a:xfrm>
-            <a:off x="431800" y="5413175"/>
-            <a:ext cx="8280400" cy="1076524"/>
-          </a:xfrm>
-        </p:spPr>
-        <p:txBody>
-          <a:bodyPr>
-            <a:normAutofit lnSpcReduction="10000"/>
-          </a:bodyPr>
+            <p:ph type="title"/>
+          </p:nvPr>
+        </p:nvSpPr>
+        <p:spPr/>
+        <p:txBody>
+          <a:bodyPr/>
           <a:lstStyle/>
           <a:p>
             <a:r>
               <a:rPr lang="en-US" dirty="0"/>
-              <a:t>Is it what you expected?</a:t>
-            </a:r>
-          </a:p>
-          <a:p>
-            <a:r>
-              <a:rPr lang="en-US" dirty="0"/>
-              <a:t>Can you guess how </a:t>
+              <a:t>The </a:t>
             </a:r>
             <a:r>
               <a:rPr lang="en-US" dirty="0">
@@ -7283,17 +8584,30 @@
             </a:r>
             <a:r>
               <a:rPr lang="en-US" dirty="0"/>
-              <a:t> works?</a:t>
-            </a:r>
-          </a:p>
-        </p:txBody>
-      </p:sp>
-      <p:sp>
-        <p:nvSpPr>
-          <p:cNvPr id="2" name="Title 1">
+              <a:t> system call (</a:t>
+            </a:r>
+            <a:r>
+              <a:rPr lang="en-US" dirty="0">
+                <a:solidFill>
+                  <a:srgbClr val="0066FF"/>
+                </a:solidFill>
+                <a:latin typeface="Latin Modern Mono Light Cond 10" pitchFamily="49" charset="77"/>
+              </a:rPr>
+              <a:t>p1.c</a:t>
+            </a:r>
+            <a:r>
+              <a:rPr lang="en-US" dirty="0"/>
+              <a:t>)</a:t>
+            </a:r>
+          </a:p>
+        </p:txBody>
+      </p:sp>
+      <p:sp>
+        <p:nvSpPr>
+          <p:cNvPr id="3" name="Content Placeholder 2">
             <a:extLst>
               <a:ext uri="{FF2B5EF4-FFF2-40B4-BE49-F238E27FC236}">
-                <a16:creationId xmlns:a16="http://schemas.microsoft.com/office/drawing/2014/main" id="{919680ED-D84D-FC4C-BF93-F8917931023E}"/>
+                <a16:creationId xmlns:a16="http://schemas.microsoft.com/office/drawing/2014/main" id="{4210686F-F9E5-8744-8B5F-339F02E79FCE}"/>
               </a:ext>
             </a:extLst>
           </p:cNvPr>
@@ -7301,7 +8615,7 @@
             <a:spLocks noGrp="1"/>
           </p:cNvSpPr>
           <p:nvPr>
-            <p:ph type="title"/>
+            <p:ph sz="quarter" idx="10"/>
           </p:nvPr>
         </p:nvSpPr>
         <p:spPr/>
@@ -7310,27 +8624,119 @@
           <a:lstStyle/>
           <a:p>
             <a:r>
+              <a:rPr lang="en-US" dirty="0"/>
+              <a:t>Read the docs to find out how</a:t>
+            </a:r>
+            <a:r>
               <a:rPr lang="en-US" dirty="0">
                 <a:solidFill>
                   <a:srgbClr val="0066FF"/>
                 </a:solidFill>
-                <a:latin typeface="Latin Modern Mono Light 10" pitchFamily="49" charset="77"/>
+                <a:latin typeface="Latin Modern Mono Light Cond 10" pitchFamily="49" charset="77"/>
+              </a:rPr>
+              <a:t> fork </a:t>
+            </a:r>
+            <a:r>
+              <a:rPr lang="en-US" dirty="0"/>
+              <a:t>works.</a:t>
+            </a:r>
+          </a:p>
+          <a:p>
+            <a:r>
+              <a:rPr lang="en-US" dirty="0"/>
+              <a:t>Compile and run </a:t>
+            </a:r>
+            <a:r>
+              <a:rPr lang="en-US" dirty="0">
+                <a:solidFill>
+                  <a:srgbClr val="0066FF"/>
+                </a:solidFill>
+                <a:latin typeface="Latin Modern Mono Light Cond 10" pitchFamily="49" charset="77"/>
+              </a:rPr>
+              <a:t>p1.c</a:t>
+            </a:r>
+            <a:r>
+              <a:rPr lang="en-US" dirty="0"/>
+              <a:t>. The snapshot below is the result I got.</a:t>
+            </a:r>
+          </a:p>
+          <a:p>
+            <a:endParaRPr lang="en-US" dirty="0"/>
+          </a:p>
+          <a:p>
+            <a:endParaRPr lang="en-US" dirty="0"/>
+          </a:p>
+          <a:p>
+            <a:r>
+              <a:rPr lang="en-US" dirty="0"/>
+              <a:t>Did you get something similar? </a:t>
+            </a:r>
+          </a:p>
+          <a:p>
+            <a:r>
+              <a:rPr lang="en-US" dirty="0"/>
+              <a:t>Does </a:t>
+            </a:r>
+            <a:r>
+              <a:rPr lang="en-US" dirty="0">
+                <a:solidFill>
+                  <a:srgbClr val="0066FF"/>
+                </a:solidFill>
+                <a:latin typeface="Latin Modern Mono Light Cond 10" pitchFamily="49" charset="77"/>
+              </a:rPr>
+              <a:t>fork</a:t>
+            </a:r>
+            <a:r>
+              <a:rPr lang="en-US" dirty="0"/>
+              <a:t> seem to be working as you expected?</a:t>
+            </a:r>
+          </a:p>
+          <a:p>
+            <a:r>
+              <a:rPr lang="en-US" dirty="0"/>
+              <a:t>Can you write down a trace of </a:t>
+            </a:r>
+            <a:r>
+              <a:rPr lang="en-US" dirty="0">
+                <a:solidFill>
+                  <a:srgbClr val="0066FF"/>
+                </a:solidFill>
+                <a:latin typeface="Latin Modern Mono Light Cond 10" pitchFamily="49" charset="77"/>
               </a:rPr>
               <a:t>p1</a:t>
             </a:r>
             <a:r>
               <a:rPr lang="en-US" dirty="0"/>
-              <a:t>’s result… is it what you expected?</a:t>
-            </a:r>
-          </a:p>
-        </p:txBody>
-      </p:sp>
-      <p:sp>
-        <p:nvSpPr>
-          <p:cNvPr id="9" name="Text Placeholder 8">
+              <a:t>’s execution?</a:t>
+            </a:r>
+          </a:p>
+          <a:p>
+            <a:r>
+              <a:rPr lang="en-US" dirty="0"/>
+              <a:t>Is that the only output that </a:t>
+            </a:r>
+            <a:r>
+              <a:rPr lang="en-US" dirty="0">
+                <a:solidFill>
+                  <a:srgbClr val="0066FF"/>
+                </a:solidFill>
+                <a:latin typeface="Latin Modern Mono Light Cond 10" pitchFamily="49" charset="77"/>
+              </a:rPr>
+              <a:t>p1</a:t>
+            </a:r>
+            <a:r>
+              <a:rPr lang="en-US" dirty="0"/>
+              <a:t> might have produced? Could it be longer? Could the lines appear in another sequence?</a:t>
+            </a:r>
+          </a:p>
+        </p:txBody>
+      </p:sp>
+      <p:sp>
+        <p:nvSpPr>
+          <p:cNvPr id="4" name="Text Placeholder 3">
             <a:extLst>
               <a:ext uri="{FF2B5EF4-FFF2-40B4-BE49-F238E27FC236}">
-                <a16:creationId xmlns:a16="http://schemas.microsoft.com/office/drawing/2014/main" id="{8B433A31-9809-B848-8DA4-590445D3B678}"/>
+                <a16:creationId xmlns:a16="http://schemas.microsoft.com/office/drawing/2014/main" id="{D50CAE36-1855-A14F-AE27-09EA8E6CF5BF}"/>
               </a:ext>
             </a:extLst>
           </p:cNvPr>
@@ -7352,29 +8758,27 @@
       </p:sp>
       <p:pic>
         <p:nvPicPr>
-          <p:cNvPr id="10" name="Content Placeholder 4">
+          <p:cNvPr id="6" name="Picture 5">
             <a:extLst>
               <a:ext uri="{FF2B5EF4-FFF2-40B4-BE49-F238E27FC236}">
-                <a16:creationId xmlns:a16="http://schemas.microsoft.com/office/drawing/2014/main" id="{D387BA15-F184-3943-9E32-8BD6F804861B}"/>
+                <a16:creationId xmlns:a16="http://schemas.microsoft.com/office/drawing/2014/main" id="{C753692B-9120-FA41-8C4D-37365F394F5F}"/>
               </a:ext>
             </a:extLst>
           </p:cNvPr>
           <p:cNvPicPr>
-            <a:picLocks noGrp="1" noChangeAspect="1"/>
+            <a:picLocks noChangeAspect="1"/>
           </p:cNvPicPr>
-          <p:nvPr>
-            <p:ph sz="half" idx="1"/>
-          </p:nvPr>
+          <p:nvPr/>
         </p:nvPicPr>
         <p:blipFill rotWithShape="1">
           <a:blip r:embed="rId2"/>
-          <a:srcRect t="45005" r="6743"/>
+          <a:srcRect t="14536" r="16141" b="24772"/>
           <a:stretch/>
         </p:blipFill>
         <p:spPr>
           <a:xfrm>
-            <a:off x="431800" y="1809750"/>
-            <a:ext cx="8304010" cy="3135112"/>
+            <a:off x="684213" y="2428912"/>
+            <a:ext cx="4365630" cy="1330340"/>
           </a:xfrm>
           <a:prstGeom prst="rect">
             <a:avLst/>
@@ -7384,7 +8788,7 @@
     </p:spTree>
     <p:extLst>
       <p:ext uri="{BB962C8B-B14F-4D97-AF65-F5344CB8AC3E}">
-        <p14:creationId xmlns:p14="http://schemas.microsoft.com/office/powerpoint/2010/main" val="2352537381"/>
+        <p14:creationId xmlns:p14="http://schemas.microsoft.com/office/powerpoint/2010/main" val="819542322"/>
       </p:ext>
     </p:extLst>
   </p:cSld>
@@ -7425,10 +8829,119 @@
       </p:grpSpPr>
       <p:sp>
         <p:nvSpPr>
-          <p:cNvPr id="6" name="Title 5">
+          <p:cNvPr id="2" name="Title 1"/>
+          <p:cNvSpPr>
+            <a:spLocks noGrp="1"/>
+          </p:cNvSpPr>
+          <p:nvPr>
+            <p:ph type="title"/>
+          </p:nvPr>
+        </p:nvSpPr>
+        <p:spPr/>
+        <p:txBody>
+          <a:bodyPr/>
+          <a:lstStyle/>
+          <a:p>
+            <a:r>
+              <a:rPr lang="en-US" dirty="0"/>
+              <a:t>Waiting </a:t>
+            </a:r>
+            <a:br>
+              <a:rPr lang="en-US" dirty="0"/>
+            </a:br>
+            <a:r>
+              <a:rPr lang="en-US" dirty="0"/>
+              <a:t>for process termination</a:t>
+            </a:r>
+          </a:p>
+        </p:txBody>
+      </p:sp>
+      <p:sp>
+        <p:nvSpPr>
+          <p:cNvPr id="3" name="Text Placeholder 2"/>
+          <p:cNvSpPr>
+            <a:spLocks noGrp="1"/>
+          </p:cNvSpPr>
+          <p:nvPr>
+            <p:ph type="body" idx="1"/>
+          </p:nvPr>
+        </p:nvSpPr>
+        <p:spPr/>
+        <p:txBody>
+          <a:bodyPr/>
+          <a:lstStyle/>
+          <a:p>
+            <a:endParaRPr lang="en-US"/>
+          </a:p>
+        </p:txBody>
+      </p:sp>
+      <p:sp>
+        <p:nvSpPr>
+          <p:cNvPr id="4" name="Text Placeholder 3"/>
+          <p:cNvSpPr>
+            <a:spLocks noGrp="1"/>
+          </p:cNvSpPr>
+          <p:nvPr>
+            <p:ph type="body" sz="quarter" idx="10"/>
+          </p:nvPr>
+        </p:nvSpPr>
+        <p:spPr/>
+        <p:txBody>
+          <a:bodyPr/>
+          <a:lstStyle/>
+          <a:p>
+            <a:endParaRPr lang="en-US"/>
+          </a:p>
+        </p:txBody>
+      </p:sp>
+    </p:spTree>
+    <p:extLst>
+      <p:ext uri="{BB962C8B-B14F-4D97-AF65-F5344CB8AC3E}">
+        <p14:creationId xmlns:p14="http://schemas.microsoft.com/office/powerpoint/2010/main" val="3404766030"/>
+      </p:ext>
+    </p:extLst>
+  </p:cSld>
+  <p:clrMapOvr>
+    <a:masterClrMapping/>
+  </p:clrMapOvr>
+  <mc:AlternateContent xmlns:mc="http://schemas.openxmlformats.org/markup-compatibility/2006" xmlns:p14="http://schemas.microsoft.com/office/powerpoint/2010/main">
+    <mc:Choice Requires="p14">
+      <p:transition spd="med" p14:dur="700">
+        <p:fade/>
+      </p:transition>
+    </mc:Choice>
+    <mc:Fallback xmlns="">
+      <p:transition spd="med">
+        <p:fade/>
+      </p:transition>
+    </mc:Fallback>
+  </mc:AlternateContent>
+</p:sld>
+</file>
+
+<file path=ppt/slides/slide7.xml><?xml version="1.0" encoding="utf-8"?>
+<p:sld xmlns:a="http://schemas.openxmlformats.org/drawingml/2006/main" xmlns:r="http://schemas.openxmlformats.org/officeDocument/2006/relationships" xmlns:p="http://schemas.openxmlformats.org/presentationml/2006/main">
+  <p:cSld>
+    <p:spTree>
+      <p:nvGrpSpPr>
+        <p:cNvPr id="1" name=""/>
+        <p:cNvGrpSpPr/>
+        <p:nvPr/>
+      </p:nvGrpSpPr>
+      <p:grpSpPr>
+        <a:xfrm>
+          <a:off x="0" y="0"/>
+          <a:ext cx="0" cy="0"/>
+          <a:chOff x="0" y="0"/>
+          <a:chExt cx="0" cy="0"/>
+        </a:xfrm>
+      </p:grpSpPr>
+      <p:sp>
+        <p:nvSpPr>
+          <p:cNvPr id="5" name="Title 4">
             <a:extLst>
               <a:ext uri="{FF2B5EF4-FFF2-40B4-BE49-F238E27FC236}">
-                <a16:creationId xmlns:a16="http://schemas.microsoft.com/office/drawing/2014/main" id="{AC71A88E-26B4-8D47-ACF0-E1045194622D}"/>
+                <a16:creationId xmlns:a16="http://schemas.microsoft.com/office/drawing/2014/main" id="{7BE99E21-6E6A-E34C-B09E-1B837ADC932D}"/>
               </a:ext>
             </a:extLst>
           </p:cNvPr>
@@ -7446,7 +8959,7 @@
           <a:p>
             <a:r>
               <a:rPr lang="en-US" dirty="0"/>
-              <a:t>How </a:t>
+              <a:t>The </a:t>
             </a:r>
             <a:r>
               <a:rPr lang="en-US" dirty="0">
@@ -7455,21 +8968,34 @@
                 </a:solidFill>
                 <a:latin typeface="Latin Modern Mono Light Cond 10" pitchFamily="49" charset="77"/>
               </a:rPr>
-              <a:t>fork()</a:t>
+              <a:t>wait()</a:t>
             </a:r>
             <a:r>
               <a:rPr lang="en-US" dirty="0"/>
-              <a:t> works</a:t>
-            </a:r>
-          </a:p>
-        </p:txBody>
-      </p:sp>
-      <p:sp>
-        <p:nvSpPr>
-          <p:cNvPr id="7" name="Content Placeholder 6">
+              <a:t> system call (</a:t>
+            </a:r>
+            <a:r>
+              <a:rPr lang="en-US" dirty="0">
+                <a:solidFill>
+                  <a:srgbClr val="0066FF"/>
+                </a:solidFill>
+                <a:latin typeface="Latin Modern Mono Light Cond 10" pitchFamily="49" charset="77"/>
+              </a:rPr>
+              <a:t>p2.c</a:t>
+            </a:r>
+            <a:r>
+              <a:rPr lang="en-US" dirty="0"/>
+              <a:t>)</a:t>
+            </a:r>
+          </a:p>
+        </p:txBody>
+      </p:sp>
+      <p:sp>
+        <p:nvSpPr>
+          <p:cNvPr id="7" name="Text Placeholder 6">
             <a:extLst>
               <a:ext uri="{FF2B5EF4-FFF2-40B4-BE49-F238E27FC236}">
-                <a16:creationId xmlns:a16="http://schemas.microsoft.com/office/drawing/2014/main" id="{7B797370-18E6-C448-B255-CCEF91E3695B}"/>
+                <a16:creationId xmlns:a16="http://schemas.microsoft.com/office/drawing/2014/main" id="{8EAF52A0-45F3-094E-9C3E-20989C327700}"/>
               </a:ext>
             </a:extLst>
           </p:cNvPr>
@@ -7477,7 +9003,7 @@
             <a:spLocks noGrp="1"/>
           </p:cNvSpPr>
           <p:nvPr>
-            <p:ph sz="quarter" idx="10"/>
+            <p:ph type="body" sz="quarter" idx="11"/>
           </p:nvPr>
         </p:nvSpPr>
         <p:spPr/>
@@ -7485,149 +9011,459 @@
           <a:bodyPr/>
           <a:lstStyle/>
           <a:p>
-            <a:r>
-              <a:rPr lang="en-US" dirty="0"/>
-              <a:t>When a process (the </a:t>
-            </a:r>
-            <a:r>
-              <a:rPr lang="en-US" i="1" dirty="0"/>
-              <a:t>parent </a:t>
-            </a:r>
-            <a:r>
-              <a:rPr lang="en-US" dirty="0"/>
-              <a:t>process) calls </a:t>
-            </a:r>
-            <a:r>
-              <a:rPr lang="en-US" dirty="0">
-                <a:solidFill>
-                  <a:srgbClr val="0066FF"/>
-                </a:solidFill>
-                <a:latin typeface="Latin Modern Mono Light Cond 10" pitchFamily="49" charset="77"/>
-              </a:rPr>
-              <a:t>fork()</a:t>
-            </a:r>
-            <a:r>
-              <a:rPr lang="en-US" dirty="0"/>
-              <a:t>, an </a:t>
-            </a:r>
-            <a:r>
-              <a:rPr lang="en-US" i="1" dirty="0"/>
-              <a:t>exact</a:t>
-            </a:r>
-            <a:r>
-              <a:rPr lang="en-US" dirty="0"/>
-              <a:t> copy of it is created, which includes the address space (i.e. all code and variables) and the program counter.</a:t>
-            </a:r>
-          </a:p>
-          <a:p>
-            <a:r>
-              <a:rPr lang="en-US" dirty="0"/>
-              <a:t>So, the new process (the </a:t>
-            </a:r>
-            <a:r>
-              <a:rPr lang="en-US" i="1" dirty="0"/>
-              <a:t>child </a:t>
-            </a:r>
-            <a:r>
-              <a:rPr lang="en-US" dirty="0"/>
-              <a:t>process) starts to execute at the </a:t>
-            </a:r>
-            <a:r>
-              <a:rPr lang="en-US" dirty="0">
-                <a:solidFill>
-                  <a:srgbClr val="0066FF"/>
-                </a:solidFill>
-                <a:latin typeface="Latin Modern Mono Light Cond 10" pitchFamily="49" charset="77"/>
-              </a:rPr>
-              <a:t>fork()</a:t>
-            </a:r>
-            <a:r>
-              <a:rPr lang="en-US" dirty="0"/>
-              <a:t> point of return.</a:t>
-            </a:r>
-          </a:p>
-          <a:p>
-            <a:r>
-              <a:rPr lang="en-US" dirty="0"/>
-              <a:t>To distinguish parent and child, </a:t>
-            </a:r>
-            <a:r>
-              <a:rPr lang="en-US" dirty="0">
-                <a:solidFill>
-                  <a:srgbClr val="0066FF"/>
-                </a:solidFill>
-                <a:latin typeface="Latin Modern Mono Light Cond 10" pitchFamily="49" charset="77"/>
-              </a:rPr>
-              <a:t>fork()</a:t>
-            </a:r>
-            <a:r>
-              <a:rPr lang="en-US" dirty="0"/>
-              <a:t> returns the child’s </a:t>
-            </a:r>
-            <a:r>
-              <a:rPr lang="en-US" dirty="0" err="1">
-                <a:solidFill>
-                  <a:srgbClr val="0066FF"/>
-                </a:solidFill>
-                <a:latin typeface="Latin Modern Mono Light Cond 10" pitchFamily="49" charset="77"/>
-              </a:rPr>
-              <a:t>pid</a:t>
-            </a:r>
-            <a:r>
-              <a:rPr lang="en-US" dirty="0"/>
-              <a:t> to the parent and </a:t>
-            </a:r>
-            <a:r>
-              <a:rPr lang="en-US" dirty="0">
-                <a:solidFill>
-                  <a:srgbClr val="0066FF"/>
-                </a:solidFill>
-                <a:latin typeface="Latin Modern Mono Light Cond 10" pitchFamily="49" charset="77"/>
-              </a:rPr>
-              <a:t>0</a:t>
-            </a:r>
-            <a:r>
-              <a:rPr lang="en-US" dirty="0"/>
-              <a:t> to the child.</a:t>
-            </a:r>
-          </a:p>
-          <a:p>
-            <a:r>
-              <a:rPr lang="en-US" dirty="0"/>
-              <a:t>This enables us to write code that handles parent and child differently.</a:t>
-            </a:r>
-          </a:p>
-        </p:txBody>
-      </p:sp>
-      <p:sp>
-        <p:nvSpPr>
-          <p:cNvPr id="8" name="Text Placeholder 7">
+            <a:endParaRPr lang="en-US"/>
+          </a:p>
+        </p:txBody>
+      </p:sp>
+      <p:pic>
+        <p:nvPicPr>
+          <p:cNvPr id="4" name="Content Placeholder 3">
             <a:extLst>
               <a:ext uri="{FF2B5EF4-FFF2-40B4-BE49-F238E27FC236}">
-                <a16:creationId xmlns:a16="http://schemas.microsoft.com/office/drawing/2014/main" id="{728CEF55-6208-AA46-8D9D-79FB99E546DC}"/>
+                <a16:creationId xmlns:a16="http://schemas.microsoft.com/office/drawing/2014/main" id="{37C1AA91-2119-3B44-8E46-944ACB3CBD63}"/>
               </a:ext>
             </a:extLst>
           </p:cNvPr>
-          <p:cNvSpPr>
-            <a:spLocks noGrp="1"/>
-          </p:cNvSpPr>
-          <p:nvPr>
-            <p:ph type="body" sz="quarter" idx="11"/>
-          </p:nvPr>
-        </p:nvSpPr>
-        <p:spPr/>
-        <p:txBody>
-          <a:bodyPr/>
-          <a:lstStyle/>
-          <a:p>
-            <a:endParaRPr lang="en-US"/>
-          </a:p>
-        </p:txBody>
-      </p:sp>
+          <p:cNvPicPr>
+            <a:picLocks noGrp="1" noChangeAspect="1"/>
+          </p:cNvPicPr>
+          <p:nvPr>
+            <p:ph sz="quarter" idx="10"/>
+          </p:nvPr>
+        </p:nvPicPr>
+        <p:blipFill rotWithShape="1">
+          <a:blip r:embed="rId3"/>
+          <a:srcRect r="21770"/>
+          <a:stretch/>
+        </p:blipFill>
+        <p:spPr>
+          <a:xfrm>
+            <a:off x="431797" y="1449388"/>
+            <a:ext cx="8280403" cy="5040312"/>
+          </a:xfrm>
+          <a:prstGeom prst="rect">
+            <a:avLst/>
+          </a:prstGeom>
+        </p:spPr>
+      </p:pic>
     </p:spTree>
     <p:extLst>
       <p:ext uri="{BB962C8B-B14F-4D97-AF65-F5344CB8AC3E}">
-        <p14:creationId xmlns:p14="http://schemas.microsoft.com/office/powerpoint/2010/main" val="3553252500"/>
+        <p14:creationId xmlns:p14="http://schemas.microsoft.com/office/powerpoint/2010/main" val="4188966694"/>
+      </p:ext>
+    </p:extLst>
+  </p:cSld>
+  <p:clrMapOvr>
+    <a:masterClrMapping/>
+  </p:clrMapOvr>
+  <mc:AlternateContent xmlns:mc="http://schemas.openxmlformats.org/markup-compatibility/2006" xmlns:p14="http://schemas.microsoft.com/office/powerpoint/2010/main">
+    <mc:Choice Requires="p14">
+      <p:transition spd="med" p14:dur="700">
+        <p:fade/>
+      </p:transition>
+    </mc:Choice>
+    <mc:Fallback xmlns="">
+      <p:transition spd="med">
+        <p:fade/>
+      </p:transition>
+    </mc:Fallback>
+  </mc:AlternateContent>
+</p:sld>
+</file>
+
+<file path=ppt/slides/slide8.xml><?xml version="1.0" encoding="utf-8"?>
+<p:sld xmlns:a="http://schemas.openxmlformats.org/drawingml/2006/main" xmlns:r="http://schemas.openxmlformats.org/officeDocument/2006/relationships" xmlns:p="http://schemas.openxmlformats.org/presentationml/2006/main">
+  <p:cSld>
+    <p:spTree>
+      <p:nvGrpSpPr>
+        <p:cNvPr id="1" name=""/>
+        <p:cNvGrpSpPr/>
+        <p:nvPr/>
+      </p:nvGrpSpPr>
+      <p:grpSpPr>
+        <a:xfrm>
+          <a:off x="0" y="0"/>
+          <a:ext cx="0" cy="0"/>
+          <a:chOff x="0" y="0"/>
+          <a:chExt cx="0" cy="0"/>
+        </a:xfrm>
+      </p:grpSpPr>
+      <p:sp>
+        <p:nvSpPr>
+          <p:cNvPr id="2" name="Title 1">
+            <a:extLst>
+              <a:ext uri="{FF2B5EF4-FFF2-40B4-BE49-F238E27FC236}">
+                <a16:creationId xmlns:a16="http://schemas.microsoft.com/office/drawing/2014/main" id="{D17A6AEA-5CBB-DE42-8023-BE3D3BAF944A}"/>
+              </a:ext>
+            </a:extLst>
+          </p:cNvPr>
+          <p:cNvSpPr>
+            <a:spLocks noGrp="1"/>
+          </p:cNvSpPr>
+          <p:nvPr>
+            <p:ph type="title"/>
+          </p:nvPr>
+        </p:nvSpPr>
+        <p:spPr/>
+        <p:txBody>
+          <a:bodyPr/>
+          <a:lstStyle/>
+          <a:p>
+            <a:r>
+              <a:rPr lang="en-US" dirty="0"/>
+              <a:t>The </a:t>
+            </a:r>
+            <a:r>
+              <a:rPr lang="en-US" dirty="0">
+                <a:solidFill>
+                  <a:srgbClr val="0066FF"/>
+                </a:solidFill>
+                <a:latin typeface="Latin Modern Mono Light Cond 10" pitchFamily="49" charset="77"/>
+              </a:rPr>
+              <a:t>wait()</a:t>
+            </a:r>
+            <a:r>
+              <a:rPr lang="en-US" dirty="0"/>
+              <a:t> system call (</a:t>
+            </a:r>
+            <a:r>
+              <a:rPr lang="en-US" dirty="0">
+                <a:solidFill>
+                  <a:srgbClr val="0066FF"/>
+                </a:solidFill>
+                <a:latin typeface="Latin Modern Mono Light Cond 10" pitchFamily="49" charset="77"/>
+              </a:rPr>
+              <a:t>p2.c</a:t>
+            </a:r>
+            <a:r>
+              <a:rPr lang="en-US" dirty="0"/>
+              <a:t>)</a:t>
+            </a:r>
+          </a:p>
+        </p:txBody>
+      </p:sp>
+      <p:sp>
+        <p:nvSpPr>
+          <p:cNvPr id="3" name="Content Placeholder 2">
+            <a:extLst>
+              <a:ext uri="{FF2B5EF4-FFF2-40B4-BE49-F238E27FC236}">
+                <a16:creationId xmlns:a16="http://schemas.microsoft.com/office/drawing/2014/main" id="{4210686F-F9E5-8744-8B5F-339F02E79FCE}"/>
+              </a:ext>
+            </a:extLst>
+          </p:cNvPr>
+          <p:cNvSpPr>
+            <a:spLocks noGrp="1"/>
+          </p:cNvSpPr>
+          <p:nvPr>
+            <p:ph sz="quarter" idx="10"/>
+          </p:nvPr>
+        </p:nvSpPr>
+        <p:spPr/>
+        <p:txBody>
+          <a:bodyPr/>
+          <a:lstStyle/>
+          <a:p>
+            <a:r>
+              <a:rPr lang="en-US" dirty="0"/>
+              <a:t>Read the docs to learn about</a:t>
+            </a:r>
+            <a:r>
+              <a:rPr lang="en-US" dirty="0">
+                <a:solidFill>
+                  <a:srgbClr val="0066FF"/>
+                </a:solidFill>
+                <a:latin typeface="Latin Modern Mono Light Cond 10" pitchFamily="49" charset="77"/>
+              </a:rPr>
+              <a:t> sleep </a:t>
+            </a:r>
+            <a:r>
+              <a:rPr lang="en-US" dirty="0"/>
+              <a:t>and</a:t>
+            </a:r>
+            <a:r>
+              <a:rPr lang="en-US" dirty="0">
+                <a:solidFill>
+                  <a:srgbClr val="0066FF"/>
+                </a:solidFill>
+                <a:latin typeface="Latin Modern Mono Light Cond 10" pitchFamily="49" charset="77"/>
+              </a:rPr>
+              <a:t> wait</a:t>
+            </a:r>
+            <a:r>
+              <a:rPr lang="en-US" dirty="0"/>
+              <a:t>.</a:t>
+            </a:r>
+          </a:p>
+          <a:p>
+            <a:r>
+              <a:rPr lang="en-US" dirty="0"/>
+              <a:t>Compile and run </a:t>
+            </a:r>
+            <a:r>
+              <a:rPr lang="en-US" dirty="0">
+                <a:solidFill>
+                  <a:srgbClr val="0066FF"/>
+                </a:solidFill>
+                <a:latin typeface="Latin Modern Mono Light Cond 10" pitchFamily="49" charset="77"/>
+              </a:rPr>
+              <a:t>p2.c</a:t>
+            </a:r>
+            <a:r>
+              <a:rPr lang="en-US" dirty="0"/>
+              <a:t>. The snapshot below is what I got as a result.</a:t>
+            </a:r>
+          </a:p>
+          <a:p>
+            <a:endParaRPr lang="en-US" dirty="0"/>
+          </a:p>
+          <a:p>
+            <a:endParaRPr lang="en-US" dirty="0"/>
+          </a:p>
+          <a:p>
+            <a:r>
+              <a:rPr lang="en-US" dirty="0"/>
+              <a:t>Did you get something similar? </a:t>
+            </a:r>
+          </a:p>
+          <a:p>
+            <a:r>
+              <a:rPr lang="en-US" dirty="0"/>
+              <a:t>Do </a:t>
+            </a:r>
+            <a:r>
+              <a:rPr lang="en-US" dirty="0">
+                <a:solidFill>
+                  <a:srgbClr val="0066FF"/>
+                </a:solidFill>
+                <a:latin typeface="Latin Modern Mono Light Cond 10" pitchFamily="49" charset="77"/>
+              </a:rPr>
+              <a:t>sleep </a:t>
+            </a:r>
+            <a:r>
+              <a:rPr lang="en-US" dirty="0"/>
+              <a:t>and</a:t>
+            </a:r>
+            <a:r>
+              <a:rPr lang="en-US" dirty="0">
+                <a:solidFill>
+                  <a:srgbClr val="0066FF"/>
+                </a:solidFill>
+                <a:latin typeface="Latin Modern Mono Light Cond 10" pitchFamily="49" charset="77"/>
+              </a:rPr>
+              <a:t> wait</a:t>
+            </a:r>
+            <a:r>
+              <a:rPr lang="en-US" dirty="0"/>
+              <a:t> seem to be working as expected?</a:t>
+            </a:r>
+          </a:p>
+          <a:p>
+            <a:r>
+              <a:rPr lang="en-US" dirty="0"/>
+              <a:t>Can you write down a trace of </a:t>
+            </a:r>
+            <a:r>
+              <a:rPr lang="en-US" dirty="0">
+                <a:solidFill>
+                  <a:srgbClr val="0066FF"/>
+                </a:solidFill>
+                <a:latin typeface="Latin Modern Mono Light Cond 10" pitchFamily="49" charset="77"/>
+              </a:rPr>
+              <a:t>p2</a:t>
+            </a:r>
+            <a:r>
+              <a:rPr lang="en-US" dirty="0"/>
+              <a:t>’s execution?</a:t>
+            </a:r>
+          </a:p>
+          <a:p>
+            <a:r>
+              <a:rPr lang="en-US" dirty="0"/>
+              <a:t>Is that the only output that </a:t>
+            </a:r>
+            <a:r>
+              <a:rPr lang="en-US" dirty="0">
+                <a:solidFill>
+                  <a:srgbClr val="0066FF"/>
+                </a:solidFill>
+                <a:latin typeface="Latin Modern Mono Light Cond 10" pitchFamily="49" charset="77"/>
+              </a:rPr>
+              <a:t>p2</a:t>
+            </a:r>
+            <a:r>
+              <a:rPr lang="en-US" dirty="0"/>
+              <a:t> might have produced? Could it be longer? Could the lines appear in another sequence?</a:t>
+            </a:r>
+          </a:p>
+        </p:txBody>
+      </p:sp>
+      <p:sp>
+        <p:nvSpPr>
+          <p:cNvPr id="4" name="Text Placeholder 3">
+            <a:extLst>
+              <a:ext uri="{FF2B5EF4-FFF2-40B4-BE49-F238E27FC236}">
+                <a16:creationId xmlns:a16="http://schemas.microsoft.com/office/drawing/2014/main" id="{D50CAE36-1855-A14F-AE27-09EA8E6CF5BF}"/>
+              </a:ext>
+            </a:extLst>
+          </p:cNvPr>
+          <p:cNvSpPr>
+            <a:spLocks noGrp="1"/>
+          </p:cNvSpPr>
+          <p:nvPr>
+            <p:ph type="body" sz="quarter" idx="11"/>
+          </p:nvPr>
+        </p:nvSpPr>
+        <p:spPr/>
+        <p:txBody>
+          <a:bodyPr/>
+          <a:lstStyle/>
+          <a:p>
+            <a:endParaRPr lang="en-US"/>
+          </a:p>
+        </p:txBody>
+      </p:sp>
+      <p:pic>
+        <p:nvPicPr>
+          <p:cNvPr id="6" name="Picture 5">
+            <a:extLst>
+              <a:ext uri="{FF2B5EF4-FFF2-40B4-BE49-F238E27FC236}">
+                <a16:creationId xmlns:a16="http://schemas.microsoft.com/office/drawing/2014/main" id="{9468945D-13D7-A642-A0E3-8E01DB138E83}"/>
+              </a:ext>
+            </a:extLst>
+          </p:cNvPr>
+          <p:cNvPicPr>
+            <a:picLocks noChangeAspect="1"/>
+          </p:cNvPicPr>
+          <p:nvPr/>
+        </p:nvPicPr>
+        <p:blipFill rotWithShape="1">
+          <a:blip r:embed="rId2"/>
+          <a:srcRect l="2379" t="20449" r="23080" b="29167"/>
+          <a:stretch/>
+        </p:blipFill>
+        <p:spPr>
+          <a:xfrm>
+            <a:off x="684213" y="2513607"/>
+            <a:ext cx="6630987" cy="1012054"/>
+          </a:xfrm>
+          <a:prstGeom prst="rect">
+            <a:avLst/>
+          </a:prstGeom>
+        </p:spPr>
+      </p:pic>
+    </p:spTree>
+    <p:extLst>
+      <p:ext uri="{BB962C8B-B14F-4D97-AF65-F5344CB8AC3E}">
+        <p14:creationId xmlns:p14="http://schemas.microsoft.com/office/powerpoint/2010/main" val="3033032909"/>
+      </p:ext>
+    </p:extLst>
+  </p:cSld>
+  <p:clrMapOvr>
+    <a:masterClrMapping/>
+  </p:clrMapOvr>
+  <mc:AlternateContent xmlns:mc="http://schemas.openxmlformats.org/markup-compatibility/2006" xmlns:p14="http://schemas.microsoft.com/office/powerpoint/2010/main">
+    <mc:Choice Requires="p14">
+      <p:transition spd="med" p14:dur="700">
+        <p:fade/>
+      </p:transition>
+    </mc:Choice>
+    <mc:Fallback xmlns="">
+      <p:transition spd="med">
+        <p:fade/>
+      </p:transition>
+    </mc:Fallback>
+  </mc:AlternateContent>
+</p:sld>
+</file>
+
+<file path=ppt/slides/slide9.xml><?xml version="1.0" encoding="utf-8"?>
+<p:sld xmlns:a="http://schemas.openxmlformats.org/drawingml/2006/main" xmlns:r="http://schemas.openxmlformats.org/officeDocument/2006/relationships" xmlns:p="http://schemas.openxmlformats.org/presentationml/2006/main">
+  <p:cSld>
+    <p:spTree>
+      <p:nvGrpSpPr>
+        <p:cNvPr id="1" name=""/>
+        <p:cNvGrpSpPr/>
+        <p:nvPr/>
+      </p:nvGrpSpPr>
+      <p:grpSpPr>
+        <a:xfrm>
+          <a:off x="0" y="0"/>
+          <a:ext cx="0" cy="0"/>
+          <a:chOff x="0" y="0"/>
+          <a:chExt cx="0" cy="0"/>
+        </a:xfrm>
+      </p:grpSpPr>
+      <p:sp>
+        <p:nvSpPr>
+          <p:cNvPr id="2" name="Title 1"/>
+          <p:cNvSpPr>
+            <a:spLocks noGrp="1"/>
+          </p:cNvSpPr>
+          <p:nvPr>
+            <p:ph type="title"/>
+          </p:nvPr>
+        </p:nvSpPr>
+        <p:spPr/>
+        <p:txBody>
+          <a:bodyPr/>
+          <a:lstStyle/>
+          <a:p>
+            <a:r>
+              <a:rPr lang="en-US" dirty="0"/>
+              <a:t>Running </a:t>
+            </a:r>
+            <a:br>
+              <a:rPr lang="en-US" dirty="0"/>
+            </a:br>
+            <a:r>
+              <a:rPr lang="en-US" dirty="0"/>
+              <a:t>an external program</a:t>
+            </a:r>
+          </a:p>
+        </p:txBody>
+      </p:sp>
+      <p:sp>
+        <p:nvSpPr>
+          <p:cNvPr id="3" name="Text Placeholder 2"/>
+          <p:cNvSpPr>
+            <a:spLocks noGrp="1"/>
+          </p:cNvSpPr>
+          <p:nvPr>
+            <p:ph type="body" idx="1"/>
+          </p:nvPr>
+        </p:nvSpPr>
+        <p:spPr/>
+        <p:txBody>
+          <a:bodyPr/>
+          <a:lstStyle/>
+          <a:p>
+            <a:endParaRPr lang="en-US"/>
+          </a:p>
+        </p:txBody>
+      </p:sp>
+      <p:sp>
+        <p:nvSpPr>
+          <p:cNvPr id="4" name="Text Placeholder 3"/>
+          <p:cNvSpPr>
+            <a:spLocks noGrp="1"/>
+          </p:cNvSpPr>
+          <p:nvPr>
+            <p:ph type="body" sz="quarter" idx="10"/>
+          </p:nvPr>
+        </p:nvSpPr>
+        <p:spPr/>
+        <p:txBody>
+          <a:bodyPr/>
+          <a:lstStyle/>
+          <a:p>
+            <a:endParaRPr lang="en-US"/>
+          </a:p>
+        </p:txBody>
+      </p:sp>
+    </p:spTree>
+    <p:extLst>
+      <p:ext uri="{BB962C8B-B14F-4D97-AF65-F5344CB8AC3E}">
+        <p14:creationId xmlns:p14="http://schemas.microsoft.com/office/powerpoint/2010/main" val="1263728517"/>
       </p:ext>
     </p:extLst>
   </p:cSld>
